--- a/LEGOPRESENTATION.pptx
+++ b/LEGOPRESENTATION.pptx
@@ -270,7 +270,7 @@
           <a:p>
             <a:fld id="{185404CF-D0E6-430A-B38B-BD08C260CDE6}" type="datetimeFigureOut">
               <a:rPr lang="LID4096" smtClean="0"/>
-              <a:t>05/18/2022</a:t>
+              <a:t>05/19/2022</a:t>
             </a:fld>
             <a:endParaRPr lang="LID4096"/>
           </a:p>
@@ -470,7 +470,7 @@
           <a:p>
             <a:fld id="{185404CF-D0E6-430A-B38B-BD08C260CDE6}" type="datetimeFigureOut">
               <a:rPr lang="LID4096" smtClean="0"/>
-              <a:t>05/18/2022</a:t>
+              <a:t>05/19/2022</a:t>
             </a:fld>
             <a:endParaRPr lang="LID4096"/>
           </a:p>
@@ -680,7 +680,7 @@
           <a:p>
             <a:fld id="{185404CF-D0E6-430A-B38B-BD08C260CDE6}" type="datetimeFigureOut">
               <a:rPr lang="LID4096" smtClean="0"/>
-              <a:t>05/18/2022</a:t>
+              <a:t>05/19/2022</a:t>
             </a:fld>
             <a:endParaRPr lang="LID4096"/>
           </a:p>
@@ -880,7 +880,7 @@
           <a:p>
             <a:fld id="{185404CF-D0E6-430A-B38B-BD08C260CDE6}" type="datetimeFigureOut">
               <a:rPr lang="LID4096" smtClean="0"/>
-              <a:t>05/18/2022</a:t>
+              <a:t>05/19/2022</a:t>
             </a:fld>
             <a:endParaRPr lang="LID4096"/>
           </a:p>
@@ -1156,7 +1156,7 @@
           <a:p>
             <a:fld id="{185404CF-D0E6-430A-B38B-BD08C260CDE6}" type="datetimeFigureOut">
               <a:rPr lang="LID4096" smtClean="0"/>
-              <a:t>05/18/2022</a:t>
+              <a:t>05/19/2022</a:t>
             </a:fld>
             <a:endParaRPr lang="LID4096"/>
           </a:p>
@@ -1424,7 +1424,7 @@
           <a:p>
             <a:fld id="{185404CF-D0E6-430A-B38B-BD08C260CDE6}" type="datetimeFigureOut">
               <a:rPr lang="LID4096" smtClean="0"/>
-              <a:t>05/18/2022</a:t>
+              <a:t>05/19/2022</a:t>
             </a:fld>
             <a:endParaRPr lang="LID4096"/>
           </a:p>
@@ -1839,7 +1839,7 @@
           <a:p>
             <a:fld id="{185404CF-D0E6-430A-B38B-BD08C260CDE6}" type="datetimeFigureOut">
               <a:rPr lang="LID4096" smtClean="0"/>
-              <a:t>05/18/2022</a:t>
+              <a:t>05/19/2022</a:t>
             </a:fld>
             <a:endParaRPr lang="LID4096"/>
           </a:p>
@@ -1981,7 +1981,7 @@
           <a:p>
             <a:fld id="{185404CF-D0E6-430A-B38B-BD08C260CDE6}" type="datetimeFigureOut">
               <a:rPr lang="LID4096" smtClean="0"/>
-              <a:t>05/18/2022</a:t>
+              <a:t>05/19/2022</a:t>
             </a:fld>
             <a:endParaRPr lang="LID4096"/>
           </a:p>
@@ -2094,7 +2094,7 @@
           <a:p>
             <a:fld id="{185404CF-D0E6-430A-B38B-BD08C260CDE6}" type="datetimeFigureOut">
               <a:rPr lang="LID4096" smtClean="0"/>
-              <a:t>05/18/2022</a:t>
+              <a:t>05/19/2022</a:t>
             </a:fld>
             <a:endParaRPr lang="LID4096"/>
           </a:p>
@@ -2407,7 +2407,7 @@
           <a:p>
             <a:fld id="{185404CF-D0E6-430A-B38B-BD08C260CDE6}" type="datetimeFigureOut">
               <a:rPr lang="LID4096" smtClean="0"/>
-              <a:t>05/18/2022</a:t>
+              <a:t>05/19/2022</a:t>
             </a:fld>
             <a:endParaRPr lang="LID4096"/>
           </a:p>
@@ -2696,7 +2696,7 @@
           <a:p>
             <a:fld id="{185404CF-D0E6-430A-B38B-BD08C260CDE6}" type="datetimeFigureOut">
               <a:rPr lang="LID4096" smtClean="0"/>
-              <a:t>05/18/2022</a:t>
+              <a:t>05/19/2022</a:t>
             </a:fld>
             <a:endParaRPr lang="LID4096"/>
           </a:p>
@@ -2939,7 +2939,7 @@
           <a:p>
             <a:fld id="{185404CF-D0E6-430A-B38B-BD08C260CDE6}" type="datetimeFigureOut">
               <a:rPr lang="LID4096" smtClean="0"/>
-              <a:t>05/18/2022</a:t>
+              <a:t>05/19/2022</a:t>
             </a:fld>
             <a:endParaRPr lang="LID4096"/>
           </a:p>
@@ -4526,7 +4526,7 @@
         <p:spPr>
           <a:xfrm>
             <a:off x="3559991" y="4436194"/>
-            <a:ext cx="6686634" cy="584775"/>
+            <a:ext cx="6686634" cy="338554"/>
           </a:xfrm>
           <a:prstGeom prst="rect">
             <a:avLst/>
@@ -4547,7 +4547,7 @@
                 </a:solidFill>
                 <a:latin typeface="Avenir Next LT Pro" panose="020B0504020202020204" pitchFamily="34" charset="0"/>
               </a:rPr>
-              <a:t>The code will be cleaned, commented and docstring. So, it will be easier to further develop</a:t>
+              <a:t>A lot of our time is devoted now to write the bachelor thesis</a:t>
             </a:r>
             <a:endParaRPr lang="LID4096" sz="5400" dirty="0">
               <a:solidFill>
@@ -19071,6 +19071,153 @@
           </a:p>
         </p:txBody>
       </p:sp>
+      <p:sp>
+        <p:nvSpPr>
+          <p:cNvPr id="28" name="Tekstfelt 27">
+            <a:extLst>
+              <a:ext uri="{FF2B5EF4-FFF2-40B4-BE49-F238E27FC236}">
+                <a16:creationId xmlns:a16="http://schemas.microsoft.com/office/drawing/2014/main" id="{50657586-BB3B-47E4-92D1-0713BF5FAC4E}"/>
+              </a:ext>
+            </a:extLst>
+          </p:cNvPr>
+          <p:cNvSpPr txBox="1"/>
+          <p:nvPr/>
+        </p:nvSpPr>
+        <p:spPr>
+          <a:xfrm>
+            <a:off x="3374824" y="3663870"/>
+            <a:ext cx="1888232" cy="584775"/>
+          </a:xfrm>
+          <a:prstGeom prst="rect">
+            <a:avLst/>
+          </a:prstGeom>
+          <a:noFill/>
+        </p:spPr>
+        <p:txBody>
+          <a:bodyPr wrap="square" rtlCol="0">
+            <a:spAutoFit/>
+          </a:bodyPr>
+          <a:lstStyle/>
+          <a:p>
+            <a:pPr algn="ctr"/>
+            <a:r>
+              <a:rPr lang="en-US" sz="1600" dirty="0">
+                <a:solidFill>
+                  <a:schemeClr val="bg1"/>
+                </a:solidFill>
+                <a:latin typeface="Avenir Next LT Pro" panose="020B0504020202020204" pitchFamily="34" charset="0"/>
+              </a:rPr>
+              <a:t>How to install Vister</a:t>
+            </a:r>
+            <a:endParaRPr lang="LID4096" sz="5400" dirty="0">
+              <a:solidFill>
+                <a:schemeClr val="bg1"/>
+              </a:solidFill>
+              <a:latin typeface="Avenir Next LT Pro" panose="020B0504020202020204" pitchFamily="34" charset="0"/>
+            </a:endParaRPr>
+          </a:p>
+        </p:txBody>
+      </p:sp>
+      <p:sp>
+        <p:nvSpPr>
+          <p:cNvPr id="31" name="Tekstfelt 30">
+            <a:extLst>
+              <a:ext uri="{FF2B5EF4-FFF2-40B4-BE49-F238E27FC236}">
+                <a16:creationId xmlns:a16="http://schemas.microsoft.com/office/drawing/2014/main" id="{95C4C04F-E82C-4E1F-B2FD-4D06D7AEAC0E}"/>
+              </a:ext>
+            </a:extLst>
+          </p:cNvPr>
+          <p:cNvSpPr txBox="1"/>
+          <p:nvPr/>
+        </p:nvSpPr>
+        <p:spPr>
+          <a:xfrm>
+            <a:off x="6047954" y="3702888"/>
+            <a:ext cx="1888232" cy="584775"/>
+          </a:xfrm>
+          <a:prstGeom prst="rect">
+            <a:avLst/>
+          </a:prstGeom>
+          <a:noFill/>
+        </p:spPr>
+        <p:txBody>
+          <a:bodyPr wrap="square" rtlCol="0">
+            <a:spAutoFit/>
+          </a:bodyPr>
+          <a:lstStyle/>
+          <a:p>
+            <a:pPr algn="ctr"/>
+            <a:r>
+              <a:rPr lang="en-US" sz="1600" dirty="0">
+                <a:solidFill>
+                  <a:schemeClr val="bg1"/>
+                </a:solidFill>
+                <a:latin typeface="Avenir Next LT Pro" panose="020B0504020202020204" pitchFamily="34" charset="0"/>
+              </a:rPr>
+              <a:t>How to use</a:t>
+            </a:r>
+          </a:p>
+          <a:p>
+            <a:pPr algn="ctr"/>
+            <a:r>
+              <a:rPr lang="en-US" sz="1600" dirty="0">
+                <a:solidFill>
+                  <a:schemeClr val="bg1"/>
+                </a:solidFill>
+                <a:latin typeface="Avenir Next LT Pro" panose="020B0504020202020204" pitchFamily="34" charset="0"/>
+              </a:rPr>
+              <a:t>Vister</a:t>
+            </a:r>
+            <a:endParaRPr lang="LID4096" sz="5400" dirty="0">
+              <a:solidFill>
+                <a:schemeClr val="bg1"/>
+              </a:solidFill>
+              <a:latin typeface="Avenir Next LT Pro" panose="020B0504020202020204" pitchFamily="34" charset="0"/>
+            </a:endParaRPr>
+          </a:p>
+        </p:txBody>
+      </p:sp>
+      <p:sp>
+        <p:nvSpPr>
+          <p:cNvPr id="32" name="Tekstfelt 31">
+            <a:extLst>
+              <a:ext uri="{FF2B5EF4-FFF2-40B4-BE49-F238E27FC236}">
+                <a16:creationId xmlns:a16="http://schemas.microsoft.com/office/drawing/2014/main" id="{E714C932-9351-4F35-A535-4725A1FAB2C6}"/>
+              </a:ext>
+            </a:extLst>
+          </p:cNvPr>
+          <p:cNvSpPr txBox="1"/>
+          <p:nvPr/>
+        </p:nvSpPr>
+        <p:spPr>
+          <a:xfrm>
+            <a:off x="8841857" y="3711349"/>
+            <a:ext cx="1646686" cy="584775"/>
+          </a:xfrm>
+          <a:prstGeom prst="rect">
+            <a:avLst/>
+          </a:prstGeom>
+          <a:noFill/>
+        </p:spPr>
+        <p:txBody>
+          <a:bodyPr wrap="square" rtlCol="0">
+            <a:spAutoFit/>
+          </a:bodyPr>
+          <a:lstStyle/>
+          <a:p>
+            <a:pPr algn="ctr"/>
+            <a:r>
+              <a:rPr lang="en-US" sz="1600" dirty="0">
+                <a:solidFill>
+                  <a:schemeClr val="bg1"/>
+                </a:solidFill>
+                <a:latin typeface="Avenir Next LT Pro" panose="020B0504020202020204" pitchFamily="34" charset="0"/>
+              </a:rPr>
+              <a:t>How to connect to the UR</a:t>
+            </a:r>
+          </a:p>
+        </p:txBody>
+      </p:sp>
     </p:spTree>
     <p:extLst>
       <p:ext uri="{BB962C8B-B14F-4D97-AF65-F5344CB8AC3E}">
